--- a/doc/3/50_V4_機能アーキテクチャ/70_V4_設計書_認証認可詳細設計書/40_詳細設計書_認証機能_別紙3_人を介在しない認証_202303.pptx
+++ b/doc/3/50_V4_機能アーキテクチャ/70_V4_設計書_認証認可詳細設計書/40_詳細設計書_認証機能_別紙3_人を介在しない認証_202303.pptx
@@ -36881,7 +36881,7 @@
 </file>
 
 <file path=customXml/itemProps1.xml><?xml version="1.0" encoding="utf-8"?>
-<ds:datastoreItem xmlns:ds="http://schemas.openxmlformats.org/officeDocument/2006/customXml" ds:itemID="{C2BA4FF5-D871-414F-8725-A95F7F04B160}"/>
+<ds:datastoreItem xmlns:ds="http://schemas.openxmlformats.org/officeDocument/2006/customXml" ds:itemID="{7E8C2773-DBAE-4757-95F2-2BE81C2EA295}"/>
 </file>
 
 <file path=customXml/itemProps2.xml><?xml version="1.0" encoding="utf-8"?>
